--- a/Structuur_Database.pptx
+++ b/Structuur_Database.pptx
@@ -105,6 +105,11 @@
       </a:defRPr>
     </a:lvl9pPr>
   </p:defaultTextStyle>
+  <p:extLst>
+    <p:ext uri="{EFAFB233-063F-42B5-8137-9DF3F51BA10A}">
+      <p15:sldGuideLst xmlns:p15="http://schemas.microsoft.com/office/powerpoint/2012/main"/>
+    </p:ext>
+  </p:extLst>
 </p:presentation>
 </file>
 
@@ -4266,8 +4271,13 @@
             </a:pPr>
             <a:r>
               <a:rPr lang="en-US" dirty="0" smtClean="0"/>
-              <a:t>Id</a:t>
-            </a:r>
+              <a:t>_i</a:t>
+            </a:r>
+            <a:r>
+              <a:rPr lang="en-US" dirty="0" smtClean="0"/>
+              <a:t>d</a:t>
+            </a:r>
+            <a:endParaRPr lang="en-US" dirty="0" smtClean="0"/>
           </a:p>
           <a:p>
             <a:pPr marL="285750" indent="-285750">
@@ -4275,9 +4285,14 @@
               <a:buChar char="•"/>
             </a:pPr>
             <a:r>
+              <a:rPr lang="en-US" dirty="0"/>
+              <a:t>u</a:t>
+            </a:r>
+            <a:r>
               <a:rPr lang="en-US" dirty="0" smtClean="0"/>
-              <a:t>Username</a:t>
-            </a:r>
+              <a:t>sername</a:t>
+            </a:r>
+            <a:endParaRPr lang="en-US" dirty="0" smtClean="0"/>
           </a:p>
           <a:p>
             <a:pPr marL="285750" indent="-285750">
@@ -4285,8 +4300,12 @@
               <a:buChar char="•"/>
             </a:pPr>
             <a:r>
+              <a:rPr lang="en-US" dirty="0" err="1"/>
+              <a:t>p</a:t>
+            </a:r>
+            <a:r>
               <a:rPr lang="en-US" dirty="0" err="1" smtClean="0"/>
-              <a:t>Pincode</a:t>
+              <a:t>incode</a:t>
             </a:r>
             <a:endParaRPr lang="en-US" dirty="0" smtClean="0"/>
           </a:p>
@@ -4296,8 +4315,12 @@
               <a:buChar char="•"/>
             </a:pPr>
             <a:r>
+              <a:rPr lang="en-US" dirty="0" err="1"/>
+              <a:t>v</a:t>
+            </a:r>
+            <a:r>
               <a:rPr lang="en-US" dirty="0" err="1" smtClean="0"/>
-              <a:t>Voornaam</a:t>
+              <a:t>oornaam</a:t>
             </a:r>
             <a:endParaRPr lang="en-US" dirty="0" smtClean="0"/>
           </a:p>
@@ -4307,8 +4330,12 @@
               <a:buChar char="•"/>
             </a:pPr>
             <a:r>
+              <a:rPr lang="en-US" dirty="0" err="1"/>
+              <a:t>n</a:t>
+            </a:r>
+            <a:r>
               <a:rPr lang="en-US" dirty="0" err="1" smtClean="0"/>
-              <a:t>Naam</a:t>
+              <a:t>aam</a:t>
             </a:r>
             <a:endParaRPr lang="en-US" dirty="0" smtClean="0"/>
           </a:p>
@@ -4330,7 +4357,7 @@
         <p:spPr>
           <a:xfrm>
             <a:off x="5917721" y="1017917"/>
-            <a:ext cx="2126801" cy="2862322"/>
+            <a:ext cx="2134943" cy="2862322"/>
           </a:xfrm>
           <a:prstGeom prst="rect">
             <a:avLst/>
@@ -4358,8 +4385,8 @@
               <a:buChar char="•"/>
             </a:pPr>
             <a:r>
-              <a:rPr lang="en-US" dirty="0" smtClean="0"/>
-              <a:t>Id</a:t>
+              <a:rPr lang="en-US" dirty="0"/>
+              <a:t>_id</a:t>
             </a:r>
           </a:p>
           <a:p>
@@ -4368,9 +4395,14 @@
               <a:buChar char="•"/>
             </a:pPr>
             <a:r>
+              <a:rPr lang="en-US" dirty="0"/>
+              <a:t>d</a:t>
+            </a:r>
+            <a:r>
               <a:rPr lang="en-US" dirty="0" smtClean="0"/>
-              <a:t>Datum</a:t>
-            </a:r>
+              <a:t>atum</a:t>
+            </a:r>
+            <a:endParaRPr lang="en-US" dirty="0" smtClean="0"/>
           </a:p>
           <a:p>
             <a:pPr marL="285750" indent="-285750">
@@ -4378,8 +4410,12 @@
               <a:buChar char="•"/>
             </a:pPr>
             <a:r>
+              <a:rPr lang="en-US" dirty="0" err="1"/>
+              <a:t>n</a:t>
+            </a:r>
+            <a:r>
               <a:rPr lang="en-US" dirty="0" err="1" smtClean="0"/>
-              <a:t>Nummerplaat</a:t>
+              <a:t>ummerplaat</a:t>
             </a:r>
             <a:endParaRPr lang="en-US" dirty="0" smtClean="0"/>
           </a:p>
@@ -4389,8 +4425,12 @@
               <a:buChar char="•"/>
             </a:pPr>
             <a:r>
+              <a:rPr lang="en-US" dirty="0" err="1"/>
+              <a:t>n</a:t>
+            </a:r>
+            <a:r>
               <a:rPr lang="en-US" dirty="0" err="1" smtClean="0"/>
-              <a:t>NummerplaatUrl</a:t>
+              <a:t>ummerplaatUrl</a:t>
             </a:r>
             <a:endParaRPr lang="en-US" dirty="0" smtClean="0"/>
           </a:p>
@@ -4400,8 +4440,12 @@
               <a:buChar char="•"/>
             </a:pPr>
             <a:r>
+              <a:rPr lang="en-US" dirty="0" err="1"/>
+              <a:t>b</a:t>
+            </a:r>
+            <a:r>
               <a:rPr lang="en-US" dirty="0" err="1" smtClean="0"/>
-              <a:t>Breedtegraad</a:t>
+              <a:t>reedtegraad</a:t>
             </a:r>
             <a:endParaRPr lang="en-US" dirty="0" smtClean="0"/>
           </a:p>
@@ -4411,8 +4455,12 @@
               <a:buChar char="•"/>
             </a:pPr>
             <a:r>
+              <a:rPr lang="en-US" dirty="0" err="1"/>
+              <a:t>l</a:t>
+            </a:r>
+            <a:r>
               <a:rPr lang="en-US" dirty="0" err="1" smtClean="0"/>
-              <a:t>Lengtegraad</a:t>
+              <a:t>engtegraad</a:t>
             </a:r>
             <a:endParaRPr lang="en-US" dirty="0" smtClean="0"/>
           </a:p>
@@ -4423,7 +4471,7 @@
             </a:pPr>
             <a:r>
               <a:rPr lang="en-US" dirty="0" err="1" smtClean="0"/>
-              <a:t>Opmerking</a:t>
+              <a:t>opmerking</a:t>
             </a:r>
             <a:endParaRPr lang="en-US" dirty="0" smtClean="0"/>
           </a:p>
@@ -4433,8 +4481,12 @@
               <a:buChar char="•"/>
             </a:pPr>
             <a:r>
+              <a:rPr lang="en-US" dirty="0" err="1"/>
+              <a:t>p</a:t>
+            </a:r>
+            <a:r>
               <a:rPr lang="en-US" dirty="0" err="1" smtClean="0"/>
-              <a:t>ParkeerwachterId</a:t>
+              <a:t>arkeerwachterId</a:t>
             </a:r>
             <a:endParaRPr lang="en-US" dirty="0" smtClean="0"/>
           </a:p>
@@ -4444,8 +4496,12 @@
               <a:buChar char="•"/>
             </a:pPr>
             <a:r>
+              <a:rPr lang="en-US" dirty="0" err="1"/>
+              <a:t>g</a:t>
+            </a:r>
+            <a:r>
               <a:rPr lang="en-US" dirty="0" err="1" smtClean="0"/>
-              <a:t>GevolgTypeId</a:t>
+              <a:t>evolgTypeId</a:t>
             </a:r>
             <a:endParaRPr lang="en-US" dirty="0"/>
           </a:p>
@@ -4460,7 +4516,7 @@
         <p:spPr>
           <a:xfrm>
             <a:off x="2256481" y="4260972"/>
-            <a:ext cx="1777603" cy="1200329"/>
+            <a:ext cx="1746119" cy="1200329"/>
           </a:xfrm>
           <a:prstGeom prst="rect">
             <a:avLst/>
@@ -4489,8 +4545,9 @@
             </a:pPr>
             <a:r>
               <a:rPr lang="en-US" dirty="0" smtClean="0"/>
-              <a:t>Id</a:t>
-            </a:r>
+              <a:t>_id</a:t>
+            </a:r>
+            <a:endParaRPr lang="en-US" dirty="0" smtClean="0"/>
           </a:p>
           <a:p>
             <a:pPr marL="285750" indent="-285750">
@@ -4499,7 +4556,11 @@
             </a:pPr>
             <a:r>
               <a:rPr lang="en-US" dirty="0" err="1" smtClean="0"/>
-              <a:t>Url</a:t>
+              <a:t>u</a:t>
+            </a:r>
+            <a:r>
+              <a:rPr lang="en-US" dirty="0" err="1" smtClean="0"/>
+              <a:t>rl</a:t>
             </a:r>
             <a:endParaRPr lang="en-US" dirty="0" smtClean="0"/>
           </a:p>
@@ -4509,8 +4570,12 @@
               <a:buChar char="•"/>
             </a:pPr>
             <a:r>
+              <a:rPr lang="en-US" dirty="0" err="1"/>
+              <a:t>o</a:t>
+            </a:r>
+            <a:r>
               <a:rPr lang="en-US" dirty="0" err="1" smtClean="0"/>
-              <a:t>OvertredingId</a:t>
+              <a:t>vertredingId</a:t>
             </a:r>
             <a:endParaRPr lang="en-US" dirty="0"/>
           </a:p>
@@ -4554,8 +4619,13 @@
             </a:pPr>
             <a:r>
               <a:rPr lang="en-US" dirty="0" smtClean="0"/>
-              <a:t>Id</a:t>
-            </a:r>
+              <a:t>_i</a:t>
+            </a:r>
+            <a:r>
+              <a:rPr lang="en-US" dirty="0" smtClean="0"/>
+              <a:t>d</a:t>
+            </a:r>
+            <a:endParaRPr lang="en-US" dirty="0" smtClean="0"/>
           </a:p>
           <a:p>
             <a:pPr marL="285750" indent="-285750">
@@ -4563,8 +4633,12 @@
               <a:buChar char="•"/>
             </a:pPr>
             <a:r>
-              <a:rPr lang="en-US" dirty="0" err="1" smtClean="0"/>
-              <a:t>Naam</a:t>
+              <a:rPr lang="en-US" dirty="0" err="1"/>
+              <a:t>n</a:t>
+            </a:r>
+            <a:r>
+              <a:rPr lang="en-US" smtClean="0"/>
+              <a:t>aam</a:t>
             </a:r>
             <a:endParaRPr lang="en-US" dirty="0"/>
           </a:p>
